--- a/spring11/slides11/slides9w.pptx
+++ b/spring11/slides11/slides9w.pptx
@@ -17,8 +17,8 @@
     <p:sldId id="415" r:id="rId5"/>
     <p:sldId id="448" r:id="rId6"/>
     <p:sldId id="416" r:id="rId7"/>
-    <p:sldId id="417" r:id="rId8"/>
-    <p:sldId id="418" r:id="rId9"/>
+    <p:sldId id="418" r:id="rId8"/>
+    <p:sldId id="417" r:id="rId9"/>
     <p:sldId id="419" r:id="rId10"/>
     <p:sldId id="420" r:id="rId11"/>
     <p:sldId id="421" r:id="rId12"/>
@@ -3744,7 +3744,7 @@
       </p:grpSpPr>
       <p:sp>
         <p:nvSpPr>
-          <p:cNvPr id="145410" name="Rectangle 7"/>
+          <p:cNvPr id="83970" name="Rectangle 7"/>
           <p:cNvSpPr>
             <a:spLocks noGrp="1" noChangeArrowheads="1"/>
           </p:cNvSpPr>
@@ -3759,7 +3759,7 @@
           <a:bodyPr/>
           <a:lstStyle/>
           <a:p>
-            <a:fld id="{3E82F9BA-F747-4BBA-B6FE-8CC2E957E0DE}" type="slidenum">
+            <a:fld id="{BAE6913F-4EC0-45E8-8167-966F0B3E2087}" type="slidenum">
               <a:rPr lang="en-US" smtClean="0"/>
               <a:pPr/>
               <a:t>7</a:t>
@@ -3770,7 +3770,7 @@
       </p:sp>
       <p:sp>
         <p:nvSpPr>
-          <p:cNvPr id="145411" name="Rectangle 2"/>
+          <p:cNvPr id="83971" name="Rectangle 2"/>
           <p:cNvSpPr>
             <a:spLocks noGrp="1" noRot="1" noChangeAspect="1" noChangeArrowheads="1" noTextEdit="1"/>
           </p:cNvSpPr>
@@ -3784,7 +3784,7 @@
       </p:sp>
       <p:sp>
         <p:nvSpPr>
-          <p:cNvPr id="145412" name="Rectangle 3"/>
+          <p:cNvPr id="83972" name="Rectangle 3"/>
           <p:cNvSpPr>
             <a:spLocks noGrp="1" noChangeArrowheads="1"/>
           </p:cNvSpPr>
@@ -3832,7 +3832,7 @@
       </p:grpSpPr>
       <p:sp>
         <p:nvSpPr>
-          <p:cNvPr id="83970" name="Rectangle 7"/>
+          <p:cNvPr id="145410" name="Rectangle 7"/>
           <p:cNvSpPr>
             <a:spLocks noGrp="1" noChangeArrowheads="1"/>
           </p:cNvSpPr>
@@ -3847,7 +3847,7 @@
           <a:bodyPr/>
           <a:lstStyle/>
           <a:p>
-            <a:fld id="{BAE6913F-4EC0-45E8-8167-966F0B3E2087}" type="slidenum">
+            <a:fld id="{3E82F9BA-F747-4BBA-B6FE-8CC2E957E0DE}" type="slidenum">
               <a:rPr lang="en-US" smtClean="0"/>
               <a:pPr/>
               <a:t>8</a:t>
@@ -3858,7 +3858,7 @@
       </p:sp>
       <p:sp>
         <p:nvSpPr>
-          <p:cNvPr id="83971" name="Rectangle 2"/>
+          <p:cNvPr id="145411" name="Rectangle 2"/>
           <p:cNvSpPr>
             <a:spLocks noGrp="1" noRot="1" noChangeAspect="1" noChangeArrowheads="1" noTextEdit="1"/>
           </p:cNvSpPr>
@@ -3872,7 +3872,7 @@
       </p:sp>
       <p:sp>
         <p:nvSpPr>
-          <p:cNvPr id="83972" name="Rectangle 3"/>
+          <p:cNvPr id="145412" name="Rectangle 3"/>
           <p:cNvSpPr>
             <a:spLocks noGrp="1" noChangeArrowheads="1"/>
           </p:cNvSpPr>
@@ -4858,22 +4858,7 @@
                 <a:uFillTx/>
                 <a:latin typeface="Comic Sans MS" pitchFamily="66" charset="0"/>
               </a:rPr>
-              <a:t>Albert R Meyer,          April</a:t>
-            </a:r>
-            <a:r>
-              <a:rPr kumimoji="0" lang="en-US" sz="1200" b="0" i="0" u="none" strike="noStrike" kern="1200" cap="none" spc="0" normalizeH="0" baseline="0" noProof="0" dirty="0" smtClean="0">
-                <a:ln>
-                  <a:noFill/>
-                </a:ln>
-                <a:solidFill>
-                  <a:schemeClr val="tx1"/>
-                </a:solidFill>
-                <a:effectLst/>
-                <a:uLnTx/>
-                <a:uFillTx/>
-                <a:latin typeface="Comic Sans MS" pitchFamily="66" charset="0"/>
-              </a:rPr>
-              <a:t> 6, 2011</a:t>
+              <a:t>Albert R Meyer,          April 6, 2011</a:t>
             </a:r>
             <a:endParaRPr kumimoji="0" lang="en-US" sz="1200" b="0" i="0" u="none" strike="noStrike" kern="1200" cap="none" spc="0" normalizeH="0" baseline="0" noProof="0" dirty="0">
               <a:ln>
@@ -22263,6 +22248,254 @@
           <a:chExt cx="0" cy="0"/>
         </a:xfrm>
       </p:grpSpPr>
+      <p:sp>
+        <p:nvSpPr>
+          <p:cNvPr id="10243" name="Rectangle 2"/>
+          <p:cNvSpPr>
+            <a:spLocks noGrp="1" noChangeArrowheads="1"/>
+          </p:cNvSpPr>
+          <p:nvPr>
+            <p:ph type="title"/>
+          </p:nvPr>
+        </p:nvSpPr>
+        <p:spPr>
+          <a:xfrm>
+            <a:off x="1374775" y="152400"/>
+            <a:ext cx="6550025" cy="990600"/>
+          </a:xfrm>
+        </p:spPr>
+        <p:txBody>
+          <a:bodyPr/>
+          <a:lstStyle/>
+          <a:p>
+            <a:pPr eaLnBrk="1" hangingPunct="1"/>
+            <a:r>
+              <a:rPr lang="en-US" sz="4000" dirty="0" smtClean="0">
+                <a:solidFill>
+                  <a:srgbClr val="FF00FF"/>
+                </a:solidFill>
+              </a:rPr>
+              <a:t>Asymptotic Equivalence</a:t>
+            </a:r>
+          </a:p>
+        </p:txBody>
+      </p:sp>
+      <p:graphicFrame>
+        <p:nvGraphicFramePr>
+          <p:cNvPr id="157699" name="Object 3"/>
+          <p:cNvGraphicFramePr>
+            <a:graphicFrameLocks noChangeAspect="1"/>
+          </p:cNvGraphicFramePr>
+          <p:nvPr/>
+        </p:nvGraphicFramePr>
+        <p:xfrm>
+          <a:off x="276225" y="2895600"/>
+          <a:ext cx="8510588" cy="2286000"/>
+        </p:xfrm>
+        <a:graphic>
+          <a:graphicData uri="http://schemas.openxmlformats.org/presentationml/2006/ole">
+            <p:oleObj spid="_x0000_s149506" name="Equation" r:id="rId4" imgW="1790700" imgH="482600" progId="Equation.DSMT4">
+              <p:embed/>
+            </p:oleObj>
+          </a:graphicData>
+        </a:graphic>
+      </p:graphicFrame>
+      <p:sp>
+        <p:nvSpPr>
+          <p:cNvPr id="157700" name="Rectangle 4"/>
+          <p:cNvSpPr>
+            <a:spLocks noChangeArrowheads="1"/>
+          </p:cNvSpPr>
+          <p:nvPr/>
+        </p:nvSpPr>
+        <p:spPr bwMode="auto">
+          <a:xfrm>
+            <a:off x="457200" y="1447800"/>
+            <a:ext cx="6705600" cy="1447800"/>
+          </a:xfrm>
+          <a:prstGeom prst="rect">
+            <a:avLst/>
+          </a:prstGeom>
+          <a:noFill/>
+          <a:ln w="9525">
+            <a:noFill/>
+            <a:miter lim="800000"/>
+            <a:headEnd/>
+            <a:tailEnd/>
+          </a:ln>
+        </p:spPr>
+        <p:txBody>
+          <a:bodyPr/>
+          <a:lstStyle/>
+          <a:p>
+            <a:pPr>
+              <a:spcBef>
+                <a:spcPct val="20000"/>
+              </a:spcBef>
+            </a:pPr>
+            <a:r>
+              <a:rPr lang="en-US" sz="6000" i="1" dirty="0">
+                <a:latin typeface="Comic Sans MS" pitchFamily="66" charset="0"/>
+              </a:rPr>
+              <a:t>Def:</a:t>
+            </a:r>
+            <a:r>
+              <a:rPr lang="en-US" sz="6600" dirty="0">
+                <a:solidFill>
+                  <a:srgbClr val="0033CC"/>
+                </a:solidFill>
+                <a:latin typeface="Comic Sans MS" pitchFamily="66" charset="0"/>
+              </a:rPr>
+              <a:t>  f(n)</a:t>
+            </a:r>
+            <a:r>
+              <a:rPr lang="en-US" sz="6600" dirty="0">
+                <a:latin typeface="Comic Sans MS" pitchFamily="66" charset="0"/>
+              </a:rPr>
+              <a:t> </a:t>
+            </a:r>
+            <a:r>
+              <a:rPr lang="en-US" sz="6600" b="1" dirty="0">
+                <a:solidFill>
+                  <a:srgbClr val="FF00FF"/>
+                </a:solidFill>
+                <a:latin typeface="Comic Sans MS" pitchFamily="66" charset="0"/>
+              </a:rPr>
+              <a:t>~</a:t>
+            </a:r>
+            <a:r>
+              <a:rPr lang="en-US" sz="6600" dirty="0">
+                <a:latin typeface="Comic Sans MS" pitchFamily="66" charset="0"/>
+              </a:rPr>
+              <a:t> </a:t>
+            </a:r>
+            <a:r>
+              <a:rPr lang="en-US" sz="6600" dirty="0">
+                <a:solidFill>
+                  <a:srgbClr val="0033CC"/>
+                </a:solidFill>
+                <a:latin typeface="Comic Sans MS" pitchFamily="66" charset="0"/>
+              </a:rPr>
+              <a:t>g(n) </a:t>
+            </a:r>
+            <a:endParaRPr lang="en-US" sz="5400" dirty="0">
+              <a:solidFill>
+                <a:srgbClr val="0033CC"/>
+              </a:solidFill>
+              <a:latin typeface="Comic Sans MS" pitchFamily="66" charset="0"/>
+            </a:endParaRPr>
+          </a:p>
+        </p:txBody>
+      </p:sp>
+    </p:spTree>
+  </p:cSld>
+  <p:clrMapOvr>
+    <a:masterClrMapping/>
+  </p:clrMapOvr>
+  <p:transition/>
+  <p:timing>
+    <p:tnLst>
+      <p:par>
+        <p:cTn id="1" dur="indefinite" restart="never" nodeType="tmRoot">
+          <p:childTnLst>
+            <p:seq concurrent="1" nextAc="seek">
+              <p:cTn id="2" dur="indefinite" nodeType="mainSeq">
+                <p:childTnLst>
+                  <p:par>
+                    <p:cTn id="3" fill="hold">
+                      <p:stCondLst>
+                        <p:cond delay="indefinite"/>
+                      </p:stCondLst>
+                      <p:childTnLst>
+                        <p:par>
+                          <p:cTn id="4" fill="hold">
+                            <p:stCondLst>
+                              <p:cond delay="0"/>
+                            </p:stCondLst>
+                            <p:childTnLst>
+                              <p:par>
+                                <p:cTn id="5" presetID="22" presetClass="entr" presetSubtype="8" fill="hold" nodeType="clickEffect">
+                                  <p:stCondLst>
+                                    <p:cond delay="0"/>
+                                  </p:stCondLst>
+                                  <p:childTnLst>
+                                    <p:set>
+                                      <p:cBhvr>
+                                        <p:cTn id="6" dur="1" fill="hold">
+                                          <p:stCondLst>
+                                            <p:cond delay="0"/>
+                                          </p:stCondLst>
+                                        </p:cTn>
+                                        <p:tgtEl>
+                                          <p:spTgt spid="157699"/>
+                                        </p:tgtEl>
+                                        <p:attrNameLst>
+                                          <p:attrName>style.visibility</p:attrName>
+                                        </p:attrNameLst>
+                                      </p:cBhvr>
+                                      <p:to>
+                                        <p:strVal val="visible"/>
+                                      </p:to>
+                                    </p:set>
+                                    <p:animEffect transition="in" filter="wipe(left)">
+                                      <p:cBhvr>
+                                        <p:cTn id="7" dur="1000"/>
+                                        <p:tgtEl>
+                                          <p:spTgt spid="157699"/>
+                                        </p:tgtEl>
+                                      </p:cBhvr>
+                                    </p:animEffect>
+                                  </p:childTnLst>
+                                </p:cTn>
+                              </p:par>
+                            </p:childTnLst>
+                          </p:cTn>
+                        </p:par>
+                      </p:childTnLst>
+                    </p:cTn>
+                  </p:par>
+                </p:childTnLst>
+              </p:cTn>
+              <p:prevCondLst>
+                <p:cond evt="onPrev" delay="0">
+                  <p:tgtEl>
+                    <p:sldTgt/>
+                  </p:tgtEl>
+                </p:cond>
+              </p:prevCondLst>
+              <p:nextCondLst>
+                <p:cond evt="onNext" delay="0">
+                  <p:tgtEl>
+                    <p:sldTgt/>
+                  </p:tgtEl>
+                </p:cond>
+              </p:nextCondLst>
+            </p:seq>
+          </p:childTnLst>
+        </p:cTn>
+      </p:par>
+    </p:tnLst>
+  </p:timing>
+</p:sld>
+</file>
+
+<file path=ppt/slides/slide8.xml><?xml version="1.0" encoding="utf-8"?>
+<p:sld xmlns:a="http://schemas.openxmlformats.org/drawingml/2006/main" xmlns:r="http://schemas.openxmlformats.org/officeDocument/2006/relationships" xmlns:mc="http://schemas.openxmlformats.org/markup-compatibility/2006" xmlns:mv="urn:schemas-microsoft-com:mac:vml" xmlns:p="http://schemas.openxmlformats.org/presentationml/2006/main" mc:Ignorable="mv" mc:PreserveAttributes="mv:*">
+  <p:cSld>
+    <p:spTree>
+      <p:nvGrpSpPr>
+        <p:cNvPr id="1" name=""/>
+        <p:cNvGrpSpPr/>
+        <p:nvPr/>
+      </p:nvGrpSpPr>
+      <p:grpSpPr>
+        <a:xfrm>
+          <a:off x="0" y="0"/>
+          <a:ext cx="0" cy="0"/>
+          <a:chOff x="0" y="0"/>
+          <a:chExt cx="0" cy="0"/>
+        </a:xfrm>
+      </p:grpSpPr>
       <p:graphicFrame>
         <p:nvGraphicFramePr>
           <p:cNvPr id="156675" name="Object 3"/>
@@ -22695,254 +22928,6 @@
       <p:bldP spid="156677" grpId="0"/>
       <p:bldP spid="6" grpId="0" animBg="1"/>
     </p:bldLst>
-  </p:timing>
-</p:sld>
-</file>
-
-<file path=ppt/slides/slide8.xml><?xml version="1.0" encoding="utf-8"?>
-<p:sld xmlns:a="http://schemas.openxmlformats.org/drawingml/2006/main" xmlns:r="http://schemas.openxmlformats.org/officeDocument/2006/relationships" xmlns:mc="http://schemas.openxmlformats.org/markup-compatibility/2006" xmlns:mv="urn:schemas-microsoft-com:mac:vml" xmlns:p="http://schemas.openxmlformats.org/presentationml/2006/main" mc:Ignorable="mv" mc:PreserveAttributes="mv:*" show="0">
-  <p:cSld>
-    <p:spTree>
-      <p:nvGrpSpPr>
-        <p:cNvPr id="1" name=""/>
-        <p:cNvGrpSpPr/>
-        <p:nvPr/>
-      </p:nvGrpSpPr>
-      <p:grpSpPr>
-        <a:xfrm>
-          <a:off x="0" y="0"/>
-          <a:ext cx="0" cy="0"/>
-          <a:chOff x="0" y="0"/>
-          <a:chExt cx="0" cy="0"/>
-        </a:xfrm>
-      </p:grpSpPr>
-      <p:sp>
-        <p:nvSpPr>
-          <p:cNvPr id="10243" name="Rectangle 2"/>
-          <p:cNvSpPr>
-            <a:spLocks noGrp="1" noChangeArrowheads="1"/>
-          </p:cNvSpPr>
-          <p:nvPr>
-            <p:ph type="title"/>
-          </p:nvPr>
-        </p:nvSpPr>
-        <p:spPr>
-          <a:xfrm>
-            <a:off x="1374775" y="152400"/>
-            <a:ext cx="6550025" cy="990600"/>
-          </a:xfrm>
-        </p:spPr>
-        <p:txBody>
-          <a:bodyPr/>
-          <a:lstStyle/>
-          <a:p>
-            <a:pPr eaLnBrk="1" hangingPunct="1"/>
-            <a:r>
-              <a:rPr lang="en-US" sz="4000" dirty="0" smtClean="0">
-                <a:solidFill>
-                  <a:srgbClr val="FF00FF"/>
-                </a:solidFill>
-              </a:rPr>
-              <a:t>Asymptotic Equivalence</a:t>
-            </a:r>
-          </a:p>
-        </p:txBody>
-      </p:sp>
-      <p:graphicFrame>
-        <p:nvGraphicFramePr>
-          <p:cNvPr id="157699" name="Object 3"/>
-          <p:cNvGraphicFramePr>
-            <a:graphicFrameLocks noChangeAspect="1"/>
-          </p:cNvGraphicFramePr>
-          <p:nvPr/>
-        </p:nvGraphicFramePr>
-        <p:xfrm>
-          <a:off x="276225" y="2895600"/>
-          <a:ext cx="8510588" cy="2286000"/>
-        </p:xfrm>
-        <a:graphic>
-          <a:graphicData uri="http://schemas.openxmlformats.org/presentationml/2006/ole">
-            <p:oleObj spid="_x0000_s149506" name="Equation" r:id="rId4" imgW="1790700" imgH="482600" progId="Equation.DSMT4">
-              <p:embed/>
-            </p:oleObj>
-          </a:graphicData>
-        </a:graphic>
-      </p:graphicFrame>
-      <p:sp>
-        <p:nvSpPr>
-          <p:cNvPr id="157700" name="Rectangle 4"/>
-          <p:cNvSpPr>
-            <a:spLocks noChangeArrowheads="1"/>
-          </p:cNvSpPr>
-          <p:nvPr/>
-        </p:nvSpPr>
-        <p:spPr bwMode="auto">
-          <a:xfrm>
-            <a:off x="457200" y="1447800"/>
-            <a:ext cx="6705600" cy="1447800"/>
-          </a:xfrm>
-          <a:prstGeom prst="rect">
-            <a:avLst/>
-          </a:prstGeom>
-          <a:noFill/>
-          <a:ln w="9525">
-            <a:noFill/>
-            <a:miter lim="800000"/>
-            <a:headEnd/>
-            <a:tailEnd/>
-          </a:ln>
-        </p:spPr>
-        <p:txBody>
-          <a:bodyPr/>
-          <a:lstStyle/>
-          <a:p>
-            <a:pPr>
-              <a:spcBef>
-                <a:spcPct val="20000"/>
-              </a:spcBef>
-            </a:pPr>
-            <a:r>
-              <a:rPr lang="en-US" sz="6000" i="1" dirty="0">
-                <a:latin typeface="Comic Sans MS" pitchFamily="66" charset="0"/>
-              </a:rPr>
-              <a:t>Def:</a:t>
-            </a:r>
-            <a:r>
-              <a:rPr lang="en-US" sz="6600" dirty="0">
-                <a:solidFill>
-                  <a:srgbClr val="0033CC"/>
-                </a:solidFill>
-                <a:latin typeface="Comic Sans MS" pitchFamily="66" charset="0"/>
-              </a:rPr>
-              <a:t>  f(n)</a:t>
-            </a:r>
-            <a:r>
-              <a:rPr lang="en-US" sz="6600" dirty="0">
-                <a:latin typeface="Comic Sans MS" pitchFamily="66" charset="0"/>
-              </a:rPr>
-              <a:t> </a:t>
-            </a:r>
-            <a:r>
-              <a:rPr lang="en-US" sz="6600" b="1" dirty="0">
-                <a:solidFill>
-                  <a:srgbClr val="FF00FF"/>
-                </a:solidFill>
-                <a:latin typeface="Comic Sans MS" pitchFamily="66" charset="0"/>
-              </a:rPr>
-              <a:t>~</a:t>
-            </a:r>
-            <a:r>
-              <a:rPr lang="en-US" sz="6600" dirty="0">
-                <a:latin typeface="Comic Sans MS" pitchFamily="66" charset="0"/>
-              </a:rPr>
-              <a:t> </a:t>
-            </a:r>
-            <a:r>
-              <a:rPr lang="en-US" sz="6600" dirty="0">
-                <a:solidFill>
-                  <a:srgbClr val="0033CC"/>
-                </a:solidFill>
-                <a:latin typeface="Comic Sans MS" pitchFamily="66" charset="0"/>
-              </a:rPr>
-              <a:t>g(n) </a:t>
-            </a:r>
-            <a:endParaRPr lang="en-US" sz="5400" dirty="0">
-              <a:solidFill>
-                <a:srgbClr val="0033CC"/>
-              </a:solidFill>
-              <a:latin typeface="Comic Sans MS" pitchFamily="66" charset="0"/>
-            </a:endParaRPr>
-          </a:p>
-        </p:txBody>
-      </p:sp>
-    </p:spTree>
-  </p:cSld>
-  <p:clrMapOvr>
-    <a:masterClrMapping/>
-  </p:clrMapOvr>
-  <p:transition/>
-  <p:timing>
-    <p:tnLst>
-      <p:par>
-        <p:cTn id="1" dur="indefinite" restart="never" nodeType="tmRoot">
-          <p:childTnLst>
-            <p:seq concurrent="1" nextAc="seek">
-              <p:cTn id="2" dur="indefinite" nodeType="mainSeq">
-                <p:childTnLst>
-                  <p:par>
-                    <p:cTn id="3" fill="hold">
-                      <p:stCondLst>
-                        <p:cond delay="indefinite"/>
-                      </p:stCondLst>
-                      <p:childTnLst>
-                        <p:par>
-                          <p:cTn id="4" fill="hold">
-                            <p:stCondLst>
-                              <p:cond delay="0"/>
-                            </p:stCondLst>
-                            <p:childTnLst>
-                              <p:par>
-                                <p:cTn id="5" presetID="22" presetClass="entr" presetSubtype="8" fill="hold" nodeType="clickEffect">
-                                  <p:stCondLst>
-                                    <p:cond delay="0"/>
-                                  </p:stCondLst>
-                                  <p:childTnLst>
-                                    <p:set>
-                                      <p:cBhvr>
-                                        <p:cTn id="6" dur="1" fill="hold">
-                                          <p:stCondLst>
-                                            <p:cond delay="0"/>
-                                          </p:stCondLst>
-                                        </p:cTn>
-                                        <p:tgtEl>
-                                          <p:spTgt spid="157699"/>
-                                        </p:tgtEl>
-                                        <p:attrNameLst>
-                                          <p:attrName>style.visibility</p:attrName>
-                                        </p:attrNameLst>
-                                      </p:cBhvr>
-                                      <p:to>
-                                        <p:strVal val="visible"/>
-                                      </p:to>
-                                    </p:set>
-                                    <p:animEffect transition="in" filter="wipe(left)">
-                                      <p:cBhvr>
-                                        <p:cTn id="7" dur="1000"/>
-                                        <p:tgtEl>
-                                          <p:spTgt spid="157699"/>
-                                        </p:tgtEl>
-                                      </p:cBhvr>
-                                    </p:animEffect>
-                                  </p:childTnLst>
-                                </p:cTn>
-                              </p:par>
-                            </p:childTnLst>
-                          </p:cTn>
-                        </p:par>
-                      </p:childTnLst>
-                    </p:cTn>
-                  </p:par>
-                </p:childTnLst>
-              </p:cTn>
-              <p:prevCondLst>
-                <p:cond evt="onPrev" delay="0">
-                  <p:tgtEl>
-                    <p:sldTgt/>
-                  </p:tgtEl>
-                </p:cond>
-              </p:prevCondLst>
-              <p:nextCondLst>
-                <p:cond evt="onNext" delay="0">
-                  <p:tgtEl>
-                    <p:sldTgt/>
-                  </p:tgtEl>
-                </p:cond>
-              </p:nextCondLst>
-            </p:seq>
-          </p:childTnLst>
-        </p:cTn>
-      </p:par>
-    </p:tnLst>
   </p:timing>
 </p:sld>
 </file>
